--- a/ARTS-Lab_UofSC_slide_template.pptx
+++ b/ARTS-Lab_UofSC_slide_template.pptx
@@ -218,7 +218,7 @@
           <a:p>
             <a:fld id="{365356D5-496E-4601-9467-AF85FBC5BAC0}" type="datetimeFigureOut">
               <a:rPr lang="en-US" smtClean="0"/>
-              <a:t>9/28/2021</a:t>
+              <a:t>10/13/2021</a:t>
             </a:fld>
             <a:endParaRPr lang="en-US"/>
           </a:p>
@@ -396,7 +396,7 @@
           <a:p>
             <a:fld id="{B6A3149F-C306-4332-9D1F-95BC64FEBABD}" type="datetimeFigureOut">
               <a:rPr lang="en-US" smtClean="0"/>
-              <a:t>9/28/2021</a:t>
+              <a:t>10/13/2021</a:t>
             </a:fld>
             <a:endParaRPr lang="en-US"/>
           </a:p>
@@ -1583,7 +1583,7 @@
         </p:nvSpPr>
         <p:spPr>
           <a:xfrm>
-            <a:off x="609480" y="5994750"/>
+            <a:off x="145023" y="6400514"/>
             <a:ext cx="2635332" cy="365125"/>
           </a:xfrm>
           <a:prstGeom prst="rect">
@@ -2275,7 +2275,7 @@
         </p:nvSpPr>
         <p:spPr>
           <a:xfrm>
-            <a:off x="609480" y="5994750"/>
+            <a:off x="145023" y="6394955"/>
             <a:ext cx="2635332" cy="365125"/>
           </a:xfrm>
           <a:prstGeom prst="rect">
